--- a/01.HTML/day01-텍스트의 표현/HTML_01.pptx
+++ b/01.HTML/day01-텍스트의 표현/HTML_01.pptx
@@ -128,6 +128,18 @@
 </p:presentation>
 </file>
 
+<file path=ppt/commentAuthors.xml><?xml version="1.0" encoding="utf-8"?>
+<p:cmAuthorLst xmlns:a="http://schemas.openxmlformats.org/drawingml/2006/main" xmlns:r="http://schemas.openxmlformats.org/officeDocument/2006/relationships" xmlns:p="http://schemas.openxmlformats.org/presentationml/2006/main">
+  <p:cmAuthor id="1" name="김지훈" initials="김" lastIdx="1" clrIdx="0">
+    <p:extLst>
+      <p:ext uri="{19B8F6BF-5375-455C-9EA6-DF929625EA0E}">
+        <p15:presenceInfo xmlns:p15="http://schemas.microsoft.com/office/powerpoint/2012/main" userId="김지훈" providerId="None"/>
+      </p:ext>
+    </p:extLst>
+  </p:cmAuthor>
+</p:cmAuthorLst>
+</file>
+
 <file path=ppt/notesMasters/notesMaster1.xml><?xml version="1.0" encoding="utf-8"?>
 <p:notesMaster xmlns:a="http://schemas.openxmlformats.org/drawingml/2006/main" xmlns:r="http://schemas.openxmlformats.org/officeDocument/2006/relationships" xmlns:p="http://schemas.openxmlformats.org/presentationml/2006/main">
   <p:cSld>
@@ -210,7 +222,7 @@
           <a:p>
             <a:fld id="{44288204-B0E6-425C-B448-AB1A8C49B755}" type="datetimeFigureOut">
               <a:rPr lang="ko-KR" altLang="en-US" smtClean="0"/>
-              <a:t>2021-01-25</a:t>
+              <a:t>2021-01-31</a:t>
             </a:fld>
             <a:endParaRPr lang="ko-KR" altLang="en-US"/>
           </a:p>
@@ -792,7 +804,7 @@
           <a:p>
             <a:fld id="{1482F2EC-5B5E-4A54-956D-97AC63A5FDB3}" type="datetimeFigureOut">
               <a:rPr lang="ko-KR" altLang="en-US" smtClean="0"/>
-              <a:t>2021-01-25</a:t>
+              <a:t>2021-01-31</a:t>
             </a:fld>
             <a:endParaRPr lang="ko-KR" altLang="en-US"/>
           </a:p>
@@ -990,7 +1002,7 @@
           <a:p>
             <a:fld id="{1482F2EC-5B5E-4A54-956D-97AC63A5FDB3}" type="datetimeFigureOut">
               <a:rPr lang="ko-KR" altLang="en-US" smtClean="0"/>
-              <a:t>2021-01-25</a:t>
+              <a:t>2021-01-31</a:t>
             </a:fld>
             <a:endParaRPr lang="ko-KR" altLang="en-US"/>
           </a:p>
@@ -1198,7 +1210,7 @@
           <a:p>
             <a:fld id="{1482F2EC-5B5E-4A54-956D-97AC63A5FDB3}" type="datetimeFigureOut">
               <a:rPr lang="ko-KR" altLang="en-US" smtClean="0"/>
-              <a:t>2021-01-25</a:t>
+              <a:t>2021-01-31</a:t>
             </a:fld>
             <a:endParaRPr lang="ko-KR" altLang="en-US"/>
           </a:p>
@@ -1396,7 +1408,7 @@
           <a:p>
             <a:fld id="{1482F2EC-5B5E-4A54-956D-97AC63A5FDB3}" type="datetimeFigureOut">
               <a:rPr lang="ko-KR" altLang="en-US" smtClean="0"/>
-              <a:t>2021-01-25</a:t>
+              <a:t>2021-01-31</a:t>
             </a:fld>
             <a:endParaRPr lang="ko-KR" altLang="en-US"/>
           </a:p>
@@ -1671,7 +1683,7 @@
           <a:p>
             <a:fld id="{1482F2EC-5B5E-4A54-956D-97AC63A5FDB3}" type="datetimeFigureOut">
               <a:rPr lang="ko-KR" altLang="en-US" smtClean="0"/>
-              <a:t>2021-01-25</a:t>
+              <a:t>2021-01-31</a:t>
             </a:fld>
             <a:endParaRPr lang="ko-KR" altLang="en-US"/>
           </a:p>
@@ -1936,7 +1948,7 @@
           <a:p>
             <a:fld id="{1482F2EC-5B5E-4A54-956D-97AC63A5FDB3}" type="datetimeFigureOut">
               <a:rPr lang="ko-KR" altLang="en-US" smtClean="0"/>
-              <a:t>2021-01-25</a:t>
+              <a:t>2021-01-31</a:t>
             </a:fld>
             <a:endParaRPr lang="ko-KR" altLang="en-US"/>
           </a:p>
@@ -2348,7 +2360,7 @@
           <a:p>
             <a:fld id="{1482F2EC-5B5E-4A54-956D-97AC63A5FDB3}" type="datetimeFigureOut">
               <a:rPr lang="ko-KR" altLang="en-US" smtClean="0"/>
-              <a:t>2021-01-25</a:t>
+              <a:t>2021-01-31</a:t>
             </a:fld>
             <a:endParaRPr lang="ko-KR" altLang="en-US"/>
           </a:p>
@@ -2489,7 +2501,7 @@
           <a:p>
             <a:fld id="{1482F2EC-5B5E-4A54-956D-97AC63A5FDB3}" type="datetimeFigureOut">
               <a:rPr lang="ko-KR" altLang="en-US" smtClean="0"/>
-              <a:t>2021-01-25</a:t>
+              <a:t>2021-01-31</a:t>
             </a:fld>
             <a:endParaRPr lang="ko-KR" altLang="en-US"/>
           </a:p>
@@ -2602,7 +2614,7 @@
           <a:p>
             <a:fld id="{1482F2EC-5B5E-4A54-956D-97AC63A5FDB3}" type="datetimeFigureOut">
               <a:rPr lang="ko-KR" altLang="en-US" smtClean="0"/>
-              <a:t>2021-01-25</a:t>
+              <a:t>2021-01-31</a:t>
             </a:fld>
             <a:endParaRPr lang="ko-KR" altLang="en-US"/>
           </a:p>
@@ -2913,7 +2925,7 @@
           <a:p>
             <a:fld id="{1482F2EC-5B5E-4A54-956D-97AC63A5FDB3}" type="datetimeFigureOut">
               <a:rPr lang="ko-KR" altLang="en-US" smtClean="0"/>
-              <a:t>2021-01-25</a:t>
+              <a:t>2021-01-31</a:t>
             </a:fld>
             <a:endParaRPr lang="ko-KR" altLang="en-US"/>
           </a:p>
@@ -3201,7 +3213,7 @@
           <a:p>
             <a:fld id="{1482F2EC-5B5E-4A54-956D-97AC63A5FDB3}" type="datetimeFigureOut">
               <a:rPr lang="ko-KR" altLang="en-US" smtClean="0"/>
-              <a:t>2021-01-25</a:t>
+              <a:t>2021-01-31</a:t>
             </a:fld>
             <a:endParaRPr lang="ko-KR" altLang="en-US"/>
           </a:p>
@@ -3442,7 +3454,7 @@
           <a:p>
             <a:fld id="{1482F2EC-5B5E-4A54-956D-97AC63A5FDB3}" type="datetimeFigureOut">
               <a:rPr lang="ko-KR" altLang="en-US" smtClean="0"/>
-              <a:t>2021-01-25</a:t>
+              <a:t>2021-01-31</a:t>
             </a:fld>
             <a:endParaRPr lang="ko-KR" altLang="en-US"/>
           </a:p>
@@ -6993,7 +7005,7 @@
                 <a:effectLst/>
                 <a:latin typeface="Consolas" panose="020B0609020204030204" pitchFamily="49" charset="0"/>
               </a:rPr>
-              <a:t>  </a:t>
+              <a:t> </a:t>
             </a:r>
             <a:r>
               <a:rPr lang="en-US" altLang="ko-KR" sz="1400" b="0" dirty="0">
@@ -7035,14 +7047,13 @@
           </a:p>
           <a:p>
             <a:r>
-              <a:rPr lang="en-US" altLang="ko-KR" sz="1400" b="0" dirty="0">
-                <a:solidFill>
-                  <a:srgbClr val="D4D4D4"/>
-                </a:solidFill>
-                <a:effectLst/>
-                <a:latin typeface="Consolas" panose="020B0609020204030204" pitchFamily="49" charset="0"/>
-              </a:rPr>
-              <a:t>  </a:t>
+              <a:rPr lang="en-US" altLang="ko-KR" sz="1400" dirty="0">
+                <a:solidFill>
+                  <a:srgbClr val="D4D4D4"/>
+                </a:solidFill>
+                <a:latin typeface="Consolas" panose="020B0609020204030204" pitchFamily="49" charset="0"/>
+              </a:rPr>
+              <a:t>   </a:t>
             </a:r>
             <a:r>
               <a:rPr lang="en-US" altLang="ko-KR" sz="1400" b="0" dirty="0">
@@ -10143,7 +10154,7 @@
         </p:blipFill>
         <p:spPr bwMode="auto">
           <a:xfrm>
-            <a:off x="1893888" y="3429000"/>
+            <a:off x="1050475" y="3011001"/>
             <a:ext cx="2638425" cy="1733550"/>
           </a:xfrm>
           <a:prstGeom prst="rect">
@@ -10175,7 +10186,7 @@
         </p:nvSpPr>
         <p:spPr>
           <a:xfrm>
-            <a:off x="5842000" y="2726114"/>
+            <a:off x="4387334" y="2681555"/>
             <a:ext cx="2084225" cy="2308324"/>
           </a:xfrm>
           <a:prstGeom prst="rect">
@@ -10543,6 +10554,74 @@
           </a:p>
         </p:txBody>
       </p:sp>
+      <p:sp>
+        <p:nvSpPr>
+          <p:cNvPr id="2" name="TextBox 1">
+            <a:extLst>
+              <a:ext uri="{FF2B5EF4-FFF2-40B4-BE49-F238E27FC236}">
+                <a16:creationId xmlns:a16="http://schemas.microsoft.com/office/drawing/2014/main" id="{174013EF-0AA9-499B-8BAE-46D19EE3EEDB}"/>
+              </a:ext>
+            </a:extLst>
+          </p:cNvPr>
+          <p:cNvSpPr txBox="1"/>
+          <p:nvPr/>
+        </p:nvSpPr>
+        <p:spPr>
+          <a:xfrm>
+            <a:off x="556279" y="5357000"/>
+            <a:ext cx="4705519" cy="369332"/>
+          </a:xfrm>
+          <a:prstGeom prst="rect">
+            <a:avLst/>
+          </a:prstGeom>
+          <a:noFill/>
+        </p:spPr>
+        <p:txBody>
+          <a:bodyPr wrap="none" rtlCol="0">
+            <a:spAutoFit/>
+          </a:bodyPr>
+          <a:lstStyle/>
+          <a:p>
+            <a:r>
+              <a:rPr lang="en-US" altLang="ko-KR" dirty="0">
+                <a:hlinkClick r:id="rId3"/>
+              </a:rPr>
+              <a:t>https://github.com/jihun92/jbch_web_study</a:t>
+            </a:r>
+            <a:endParaRPr lang="ko-KR" altLang="en-US" dirty="0"/>
+          </a:p>
+        </p:txBody>
+      </p:sp>
+      <p:pic>
+        <p:nvPicPr>
+          <p:cNvPr id="6" name="그림 5">
+            <a:extLst>
+              <a:ext uri="{FF2B5EF4-FFF2-40B4-BE49-F238E27FC236}">
+                <a16:creationId xmlns:a16="http://schemas.microsoft.com/office/drawing/2014/main" id="{7C6BE6DE-7825-414A-8C7C-D2BDF6BA0109}"/>
+              </a:ext>
+            </a:extLst>
+          </p:cNvPr>
+          <p:cNvPicPr>
+            <a:picLocks noChangeAspect="1"/>
+          </p:cNvPicPr>
+          <p:nvPr/>
+        </p:nvPicPr>
+        <p:blipFill>
+          <a:blip r:embed="rId4"/>
+          <a:stretch>
+            <a:fillRect/>
+          </a:stretch>
+        </p:blipFill>
+        <p:spPr>
+          <a:xfrm>
+            <a:off x="6930204" y="2247467"/>
+            <a:ext cx="5063226" cy="3176499"/>
+          </a:xfrm>
+          <a:prstGeom prst="rect">
+            <a:avLst/>
+          </a:prstGeom>
+        </p:spPr>
+      </p:pic>
     </p:spTree>
     <p:extLst>
       <p:ext uri="{BB962C8B-B14F-4D97-AF65-F5344CB8AC3E}">
@@ -14986,12 +15065,22 @@
             <a:r>
               <a:rPr lang="en-US" altLang="ko-KR" b="0" dirty="0">
                 <a:solidFill>
-                  <a:srgbClr val="808080"/>
-                </a:solidFill>
-                <a:effectLst/>
-                <a:latin typeface="Consolas" panose="020B0609020204030204" pitchFamily="49" charset="0"/>
-              </a:rPr>
-              <a:t>/&gt;</a:t>
+                  <a:srgbClr val="569CD6"/>
+                </a:solidFill>
+                <a:effectLst/>
+                <a:latin typeface="Consolas" panose="020B0609020204030204" pitchFamily="49" charset="0"/>
+              </a:rPr>
+              <a:t>/</a:t>
+            </a:r>
+            <a:r>
+              <a:rPr lang="en-US" altLang="ko-KR" b="0" dirty="0">
+                <a:solidFill>
+                  <a:srgbClr val="808080"/>
+                </a:solidFill>
+                <a:effectLst/>
+                <a:latin typeface="Consolas" panose="020B0609020204030204" pitchFamily="49" charset="0"/>
+              </a:rPr>
+              <a:t>&gt;</a:t>
             </a:r>
             <a:r>
               <a:rPr lang="ko-KR" altLang="en-US" b="0" dirty="0">
@@ -15095,12 +15184,22 @@
             <a:r>
               <a:rPr lang="en-US" altLang="ko-KR" b="0" dirty="0">
                 <a:solidFill>
-                  <a:srgbClr val="808080"/>
-                </a:solidFill>
-                <a:effectLst/>
-                <a:latin typeface="Consolas" panose="020B0609020204030204" pitchFamily="49" charset="0"/>
-              </a:rPr>
-              <a:t>/&gt;</a:t>
+                  <a:srgbClr val="569CD6"/>
+                </a:solidFill>
+                <a:effectLst/>
+                <a:latin typeface="Consolas" panose="020B0609020204030204" pitchFamily="49" charset="0"/>
+              </a:rPr>
+              <a:t>/</a:t>
+            </a:r>
+            <a:r>
+              <a:rPr lang="en-US" altLang="ko-KR" b="0" dirty="0">
+                <a:solidFill>
+                  <a:srgbClr val="808080"/>
+                </a:solidFill>
+                <a:effectLst/>
+                <a:latin typeface="Consolas" panose="020B0609020204030204" pitchFamily="49" charset="0"/>
+              </a:rPr>
+              <a:t>&gt;</a:t>
             </a:r>
             <a:r>
               <a:rPr lang="ko-KR" altLang="en-US" b="0" dirty="0">
@@ -15224,12 +15323,22 @@
             <a:r>
               <a:rPr lang="en-US" altLang="ko-KR" b="0" dirty="0">
                 <a:solidFill>
-                  <a:srgbClr val="808080"/>
-                </a:solidFill>
-                <a:effectLst/>
-                <a:latin typeface="Consolas" panose="020B0609020204030204" pitchFamily="49" charset="0"/>
-              </a:rPr>
-              <a:t>/&gt;</a:t>
+                  <a:srgbClr val="569CD6"/>
+                </a:solidFill>
+                <a:effectLst/>
+                <a:latin typeface="Consolas" panose="020B0609020204030204" pitchFamily="49" charset="0"/>
+              </a:rPr>
+              <a:t>/</a:t>
+            </a:r>
+            <a:r>
+              <a:rPr lang="en-US" altLang="ko-KR" b="0" dirty="0">
+                <a:solidFill>
+                  <a:srgbClr val="808080"/>
+                </a:solidFill>
+                <a:effectLst/>
+                <a:latin typeface="Consolas" panose="020B0609020204030204" pitchFamily="49" charset="0"/>
+              </a:rPr>
+              <a:t>&gt;</a:t>
             </a:r>
             <a:r>
               <a:rPr lang="ko-KR" altLang="en-US" b="0" dirty="0">
@@ -16457,8 +16566,8 @@
         </p:nvSpPr>
         <p:spPr>
           <a:xfrm>
-            <a:off x="565270" y="2190121"/>
-            <a:ext cx="6953130" cy="3293209"/>
+            <a:off x="173383" y="2108478"/>
+            <a:ext cx="7858776" cy="3539430"/>
           </a:xfrm>
           <a:prstGeom prst="rect">
             <a:avLst/>
@@ -16936,7 +17045,47 @@
                 <a:effectLst/>
                 <a:latin typeface="Consolas" panose="020B0609020204030204" pitchFamily="49" charset="0"/>
               </a:rPr>
-              <a:t>&amp;#60;</a:t>
+              <a:t>&amp;</a:t>
+            </a:r>
+            <a:r>
+              <a:rPr lang="en-US" altLang="ko-KR" sz="1600" b="0" dirty="0" err="1">
+                <a:solidFill>
+                  <a:srgbClr val="569CD6"/>
+                </a:solidFill>
+                <a:effectLst/>
+                <a:latin typeface="Consolas" panose="020B0609020204030204" pitchFamily="49" charset="0"/>
+              </a:rPr>
+              <a:t>lt;</a:t>
+            </a:r>
+            <a:r>
+              <a:rPr lang="en-US" altLang="ko-KR" sz="1600" b="0" dirty="0" err="1">
+                <a:solidFill>
+                  <a:srgbClr val="D4D4D4"/>
+                </a:solidFill>
+                <a:effectLst/>
+                <a:latin typeface="Consolas" panose="020B0609020204030204" pitchFamily="49" charset="0"/>
+              </a:rPr>
+              <a:t>p</a:t>
+            </a:r>
+            <a:r>
+              <a:rPr lang="en-US" altLang="ko-KR" sz="1600" b="0" dirty="0" err="1">
+                <a:solidFill>
+                  <a:srgbClr val="569CD6"/>
+                </a:solidFill>
+                <a:effectLst/>
+                <a:latin typeface="Consolas" panose="020B0609020204030204" pitchFamily="49" charset="0"/>
+              </a:rPr>
+              <a:t>&amp;gt;</a:t>
+            </a:r>
+            <a:r>
+              <a:rPr lang="en-US" altLang="ko-KR" sz="1600" b="0" dirty="0" err="1">
+                <a:solidFill>
+                  <a:srgbClr val="D4D4D4"/>
+                </a:solidFill>
+                <a:effectLst/>
+                <a:latin typeface="Consolas" panose="020B0609020204030204" pitchFamily="49" charset="0"/>
+              </a:rPr>
+              <a:t>p</a:t>
             </a:r>
             <a:r>
               <a:rPr lang="en-US" altLang="ko-KR" sz="1600" b="0" dirty="0">
@@ -16946,27 +17095,7 @@
                 <a:effectLst/>
                 <a:latin typeface="Consolas" panose="020B0609020204030204" pitchFamily="49" charset="0"/>
               </a:rPr>
-              <a:t>p</a:t>
-            </a:r>
-            <a:r>
-              <a:rPr lang="en-US" altLang="ko-KR" sz="1600" b="0" dirty="0">
-                <a:solidFill>
-                  <a:srgbClr val="569CD6"/>
-                </a:solidFill>
-                <a:effectLst/>
-                <a:latin typeface="Consolas" panose="020B0609020204030204" pitchFamily="49" charset="0"/>
-              </a:rPr>
-              <a:t>&amp;#62;</a:t>
-            </a:r>
-            <a:r>
-              <a:rPr lang="en-US" altLang="ko-KR" sz="1600" b="0" dirty="0">
-                <a:solidFill>
-                  <a:srgbClr val="D4D4D4"/>
-                </a:solidFill>
-                <a:effectLst/>
-                <a:latin typeface="Consolas" panose="020B0609020204030204" pitchFamily="49" charset="0"/>
-              </a:rPr>
-              <a:t>p </a:t>
+              <a:t> </a:t>
             </a:r>
             <a:r>
               <a:rPr lang="ko-KR" altLang="en-US" sz="1600" b="0" dirty="0">
@@ -17075,17 +17204,56 @@
                 <a:effectLst/>
                 <a:latin typeface="Consolas" panose="020B0609020204030204" pitchFamily="49" charset="0"/>
               </a:rPr>
-              <a:t>띄어쓰기를 </a:t>
-            </a:r>
-            <a:r>
-              <a:rPr lang="ko-KR" altLang="en-US" sz="1600" b="0" dirty="0" err="1">
-                <a:solidFill>
-                  <a:srgbClr val="D4D4D4"/>
-                </a:solidFill>
-                <a:effectLst/>
-                <a:latin typeface="Consolas" panose="020B0609020204030204" pitchFamily="49" charset="0"/>
-              </a:rPr>
-              <a:t>여러번해보자</a:t>
+              <a:t>띄어쓰기를 여러 번 해보자 시                              작</a:t>
+            </a:r>
+            <a:r>
+              <a:rPr lang="en-US" altLang="ko-KR" sz="1600" b="0" dirty="0">
+                <a:solidFill>
+                  <a:srgbClr val="808080"/>
+                </a:solidFill>
+                <a:effectLst/>
+                <a:latin typeface="Consolas" panose="020B0609020204030204" pitchFamily="49" charset="0"/>
+              </a:rPr>
+              <a:t>&lt;</a:t>
+            </a:r>
+            <a:r>
+              <a:rPr lang="en-US" altLang="ko-KR" sz="1600" b="0" dirty="0" err="1">
+                <a:solidFill>
+                  <a:srgbClr val="569CD6"/>
+                </a:solidFill>
+                <a:effectLst/>
+                <a:latin typeface="Consolas" panose="020B0609020204030204" pitchFamily="49" charset="0"/>
+              </a:rPr>
+              <a:t>br</a:t>
+            </a:r>
+            <a:r>
+              <a:rPr lang="en-US" altLang="ko-KR" sz="1600" b="0" dirty="0">
+                <a:solidFill>
+                  <a:srgbClr val="808080"/>
+                </a:solidFill>
+                <a:effectLst/>
+                <a:latin typeface="Consolas" panose="020B0609020204030204" pitchFamily="49" charset="0"/>
+              </a:rPr>
+              <a:t>/&gt;</a:t>
+            </a:r>
+            <a:endParaRPr lang="en-US" altLang="ko-KR" sz="1600" b="0" dirty="0">
+              <a:solidFill>
+                <a:srgbClr val="D4D4D4"/>
+              </a:solidFill>
+              <a:effectLst/>
+              <a:latin typeface="Consolas" panose="020B0609020204030204" pitchFamily="49" charset="0"/>
+            </a:endParaRPr>
+          </a:p>
+          <a:p>
+            <a:r>
+              <a:rPr lang="en-US" altLang="ko-KR" sz="1600" b="0" dirty="0">
+                <a:solidFill>
+                  <a:srgbClr val="D4D4D4"/>
+                </a:solidFill>
+                <a:effectLst/>
+                <a:latin typeface="Consolas" panose="020B0609020204030204" pitchFamily="49" charset="0"/>
+              </a:rPr>
+              <a:t>    </a:t>
             </a:r>
             <a:r>
               <a:rPr lang="ko-KR" altLang="en-US" sz="1600" b="0" dirty="0">
@@ -17095,7 +17263,7 @@
                 <a:effectLst/>
                 <a:latin typeface="Consolas" panose="020B0609020204030204" pitchFamily="49" charset="0"/>
               </a:rPr>
-              <a:t> 시</a:t>
+              <a:t>띄어쓰기를 여러 번 해보자 시</a:t>
             </a:r>
             <a:r>
               <a:rPr lang="en-US" altLang="ko-KR" sz="1600" b="0" dirty="0">
@@ -17289,7 +17457,7 @@
         </p:blipFill>
         <p:spPr>
           <a:xfrm>
-            <a:off x="8137324" y="4068794"/>
+            <a:off x="8476849" y="4095116"/>
             <a:ext cx="2876951" cy="1552792"/>
           </a:xfrm>
           <a:prstGeom prst="rect">
@@ -17319,8 +17487,38 @@
         </p:blipFill>
         <p:spPr>
           <a:xfrm>
-            <a:off x="7694512" y="1689824"/>
+            <a:off x="8146826" y="1566660"/>
             <a:ext cx="3762576" cy="1862340"/>
+          </a:xfrm>
+          <a:prstGeom prst="rect">
+            <a:avLst/>
+          </a:prstGeom>
+        </p:spPr>
+      </p:pic>
+      <p:pic>
+        <p:nvPicPr>
+          <p:cNvPr id="3" name="그림 2">
+            <a:extLst>
+              <a:ext uri="{FF2B5EF4-FFF2-40B4-BE49-F238E27FC236}">
+                <a16:creationId xmlns:a16="http://schemas.microsoft.com/office/drawing/2014/main" id="{14A79F48-5FDF-4BC8-B29B-8635BA42138F}"/>
+              </a:ext>
+            </a:extLst>
+          </p:cNvPr>
+          <p:cNvPicPr>
+            <a:picLocks noChangeAspect="1"/>
+          </p:cNvPicPr>
+          <p:nvPr/>
+        </p:nvPicPr>
+        <p:blipFill>
+          <a:blip r:embed="rId4"/>
+          <a:stretch>
+            <a:fillRect/>
+          </a:stretch>
+        </p:blipFill>
+        <p:spPr>
+          <a:xfrm>
+            <a:off x="8476849" y="4871512"/>
+            <a:ext cx="2782366" cy="985603"/>
           </a:xfrm>
           <a:prstGeom prst="rect">
             <a:avLst/>
